--- a/Star Fighter.pptx
+++ b/Star Fighter.pptx
@@ -11,7 +11,9 @@
     <p:sldId id="258" r:id="rId5"/>
     <p:sldId id="260" r:id="rId6"/>
     <p:sldId id="261" r:id="rId7"/>
-    <p:sldId id="262" r:id="rId8"/>
+    <p:sldId id="264" r:id="rId8"/>
+    <p:sldId id="263" r:id="rId9"/>
+    <p:sldId id="262" r:id="rId10"/>
   </p:sldIdLst>
   <p:sldSz cx="12192000" cy="6858000"/>
   <p:notesSz cx="6858000" cy="9144000"/>
@@ -110,6 +112,11 @@
       </a:defRPr>
     </a:lvl9pPr>
   </p:defaultTextStyle>
+  <p:extLst>
+    <p:ext uri="{EFAFB233-063F-42B5-8137-9DF3F51BA10A}">
+      <p15:sldGuideLst xmlns:p15="http://schemas.microsoft.com/office/powerpoint/2012/main"/>
+    </p:ext>
+  </p:extLst>
 </p:presentation>
 </file>
 
@@ -244,7 +251,7 @@
           <a:p>
             <a:fld id="{5A63767B-6469-4031-91A9-2467712D21BD}" type="datetimeFigureOut">
               <a:rPr lang="ru-RU" smtClean="0"/>
-              <a:t>26.02.2021</a:t>
+              <a:t>09.03.2021</a:t>
             </a:fld>
             <a:endParaRPr lang="ru-RU"/>
           </a:p>
@@ -414,7 +421,7 @@
           <a:p>
             <a:fld id="{5A63767B-6469-4031-91A9-2467712D21BD}" type="datetimeFigureOut">
               <a:rPr lang="ru-RU" smtClean="0"/>
-              <a:t>26.02.2021</a:t>
+              <a:t>09.03.2021</a:t>
             </a:fld>
             <a:endParaRPr lang="ru-RU"/>
           </a:p>
@@ -594,7 +601,7 @@
           <a:p>
             <a:fld id="{5A63767B-6469-4031-91A9-2467712D21BD}" type="datetimeFigureOut">
               <a:rPr lang="ru-RU" smtClean="0"/>
-              <a:t>26.02.2021</a:t>
+              <a:t>09.03.2021</a:t>
             </a:fld>
             <a:endParaRPr lang="ru-RU"/>
           </a:p>
@@ -764,7 +771,7 @@
           <a:p>
             <a:fld id="{5A63767B-6469-4031-91A9-2467712D21BD}" type="datetimeFigureOut">
               <a:rPr lang="ru-RU" smtClean="0"/>
-              <a:t>26.02.2021</a:t>
+              <a:t>09.03.2021</a:t>
             </a:fld>
             <a:endParaRPr lang="ru-RU"/>
           </a:p>
@@ -1010,7 +1017,7 @@
           <a:p>
             <a:fld id="{5A63767B-6469-4031-91A9-2467712D21BD}" type="datetimeFigureOut">
               <a:rPr lang="ru-RU" smtClean="0"/>
-              <a:t>26.02.2021</a:t>
+              <a:t>09.03.2021</a:t>
             </a:fld>
             <a:endParaRPr lang="ru-RU"/>
           </a:p>
@@ -1242,7 +1249,7 @@
           <a:p>
             <a:fld id="{5A63767B-6469-4031-91A9-2467712D21BD}" type="datetimeFigureOut">
               <a:rPr lang="ru-RU" smtClean="0"/>
-              <a:t>26.02.2021</a:t>
+              <a:t>09.03.2021</a:t>
             </a:fld>
             <a:endParaRPr lang="ru-RU"/>
           </a:p>
@@ -1609,7 +1616,7 @@
           <a:p>
             <a:fld id="{5A63767B-6469-4031-91A9-2467712D21BD}" type="datetimeFigureOut">
               <a:rPr lang="ru-RU" smtClean="0"/>
-              <a:t>26.02.2021</a:t>
+              <a:t>09.03.2021</a:t>
             </a:fld>
             <a:endParaRPr lang="ru-RU"/>
           </a:p>
@@ -1727,7 +1734,7 @@
           <a:p>
             <a:fld id="{5A63767B-6469-4031-91A9-2467712D21BD}" type="datetimeFigureOut">
               <a:rPr lang="ru-RU" smtClean="0"/>
-              <a:t>26.02.2021</a:t>
+              <a:t>09.03.2021</a:t>
             </a:fld>
             <a:endParaRPr lang="ru-RU"/>
           </a:p>
@@ -1822,7 +1829,7 @@
           <a:p>
             <a:fld id="{5A63767B-6469-4031-91A9-2467712D21BD}" type="datetimeFigureOut">
               <a:rPr lang="ru-RU" smtClean="0"/>
-              <a:t>26.02.2021</a:t>
+              <a:t>09.03.2021</a:t>
             </a:fld>
             <a:endParaRPr lang="ru-RU"/>
           </a:p>
@@ -2099,7 +2106,7 @@
           <a:p>
             <a:fld id="{5A63767B-6469-4031-91A9-2467712D21BD}" type="datetimeFigureOut">
               <a:rPr lang="ru-RU" smtClean="0"/>
-              <a:t>26.02.2021</a:t>
+              <a:t>09.03.2021</a:t>
             </a:fld>
             <a:endParaRPr lang="ru-RU"/>
           </a:p>
@@ -2356,7 +2363,7 @@
           <a:p>
             <a:fld id="{5A63767B-6469-4031-91A9-2467712D21BD}" type="datetimeFigureOut">
               <a:rPr lang="ru-RU" smtClean="0"/>
-              <a:t>26.02.2021</a:t>
+              <a:t>09.03.2021</a:t>
             </a:fld>
             <a:endParaRPr lang="ru-RU"/>
           </a:p>
@@ -2569,7 +2576,7 @@
           <a:p>
             <a:fld id="{5A63767B-6469-4031-91A9-2467712D21BD}" type="datetimeFigureOut">
               <a:rPr lang="ru-RU" smtClean="0"/>
-              <a:t>26.02.2021</a:t>
+              <a:t>09.03.2021</a:t>
             </a:fld>
             <a:endParaRPr lang="ru-RU"/>
           </a:p>
@@ -3147,9 +3154,9 @@
           </a:stretch>
         </p:blipFill>
         <p:spPr>
-          <a:xfrm rot="567017">
-            <a:off x="6383672" y="2147082"/>
-            <a:ext cx="885825" cy="800100"/>
+          <a:xfrm rot="925614">
+            <a:off x="6379463" y="2146734"/>
+            <a:ext cx="889769" cy="803662"/>
           </a:xfrm>
           <a:prstGeom prst="rect">
             <a:avLst/>
@@ -3184,7 +3191,7 @@
         </p:blipFill>
         <p:spPr>
           <a:xfrm rot="20236193">
-            <a:off x="1580964" y="4083945"/>
+            <a:off x="1616323" y="4083944"/>
             <a:ext cx="428625" cy="381000"/>
           </a:xfrm>
           <a:prstGeom prst="rect">
@@ -3292,7 +3299,7 @@
         </p:blipFill>
         <p:spPr>
           <a:xfrm rot="721361">
-            <a:off x="6453185" y="3244546"/>
+            <a:off x="6500267" y="3258393"/>
             <a:ext cx="85725" cy="352425"/>
           </a:xfrm>
           <a:prstGeom prst="rect">
@@ -3379,7 +3386,7 @@
                   </a:outerShdw>
                 </a:effectLst>
               </a:rPr>
-              <a:t>Над проектом работали</a:t>
+              <a:t>Разработчики</a:t>
             </a:r>
             <a:r>
               <a:rPr lang="en-US" sz="3000" b="0" cap="none" spc="0" dirty="0">
@@ -3492,7 +3499,7 @@
         </p:nvSpPr>
         <p:spPr>
           <a:xfrm>
-            <a:off x="261461" y="92625"/>
+            <a:off x="188309" y="1189905"/>
             <a:ext cx="10578817" cy="4001095"/>
           </a:xfrm>
           <a:prstGeom prst="rect">
@@ -3513,7 +3520,7 @@
             </a:r>
             <a:r>
               <a:rPr lang="ru-RU" sz="4000" dirty="0"/>
-              <a:t>это шутер с видом сверху</a:t>
+              <a:t>это космический шутер с видом сверху</a:t>
             </a:r>
             <a:r>
               <a:rPr lang="en-US" sz="4000" dirty="0"/>
@@ -3521,7 +3528,7 @@
             </a:r>
             <a:r>
               <a:rPr lang="ru-RU" sz="4000" dirty="0"/>
-              <a:t>Вам предстоит, управляя космическим кораблем, уничтожать сначала астероиды, а затем врагов (которые дают вам отпор и передвигаются по карте)</a:t>
+              <a:t>Вам предстоит, управляя космическим кораблем, уничтожать сначала астероиды, а затем врагов (которые дают вам отпор и передвигаются по игровому полю)</a:t>
             </a:r>
           </a:p>
           <a:p>
@@ -3544,10 +3551,10 @@
       </p:sp>
       <p:sp>
         <p:nvSpPr>
-          <p:cNvPr id="3" name="Прямоугольник 2">
+          <p:cNvPr id="5" name="Прямоугольник 4">
             <a:extLst>
               <a:ext uri="{FF2B5EF4-FFF2-40B4-BE49-F238E27FC236}">
-                <a16:creationId xmlns:a16="http://schemas.microsoft.com/office/drawing/2014/main" id="{76704DED-9257-4937-911C-E4C2FD75D7DF}"/>
+                <a16:creationId xmlns:a16="http://schemas.microsoft.com/office/drawing/2014/main" id="{DC113F23-AA69-4C8C-83E5-E0132DF137C1}"/>
               </a:ext>
             </a:extLst>
           </p:cNvPr>
@@ -3556,8 +3563,8 @@
         </p:nvSpPr>
         <p:spPr>
           <a:xfrm>
-            <a:off x="261461" y="3576069"/>
-            <a:ext cx="6841424" cy="1538883"/>
+            <a:off x="3709357" y="-68473"/>
+            <a:ext cx="3042949" cy="923330"/>
           </a:xfrm>
           <a:prstGeom prst="rect">
             <a:avLst/>
@@ -3572,7 +3579,7 @@
           <a:p>
             <a:pPr algn="ctr"/>
             <a:r>
-              <a:rPr lang="ru-RU" sz="4000" dirty="0">
+              <a:rPr lang="ru-RU" sz="5400" dirty="0">
                 <a:ln w="0"/>
                 <a:effectLst>
                   <a:outerShdw blurRad="38100" dist="19050" dir="2700000" algn="tl" rotWithShape="0">
@@ -3582,11 +3589,14 @@
                   </a:outerShdw>
                 </a:effectLst>
               </a:rPr>
-              <a:t>Основная библиотека</a:t>
-            </a:r>
-            <a:r>
-              <a:rPr lang="en-US" sz="4000" dirty="0">
+              <a:t>Вв</a:t>
+            </a:r>
+            <a:r>
+              <a:rPr lang="ru-RU" sz="5400" b="0" cap="none" spc="0" dirty="0">
                 <a:ln w="0"/>
+                <a:solidFill>
+                  <a:schemeClr val="tx1"/>
+                </a:solidFill>
                 <a:effectLst>
                   <a:outerShdw blurRad="38100" dist="19050" dir="2700000" algn="tl" rotWithShape="0">
                     <a:schemeClr val="dk1">
@@ -3595,147 +3605,8 @@
                   </a:outerShdw>
                 </a:effectLst>
               </a:rPr>
-              <a:t>: </a:t>
-            </a:r>
-            <a:r>
-              <a:rPr lang="en-US" sz="4000" dirty="0" err="1">
-                <a:ln w="0"/>
-                <a:effectLst>
-                  <a:outerShdw blurRad="38100" dist="19050" dir="2700000" algn="tl" rotWithShape="0">
-                    <a:schemeClr val="dk1">
-                      <a:alpha val="40000"/>
-                    </a:schemeClr>
-                  </a:outerShdw>
-                </a:effectLst>
-              </a:rPr>
-              <a:t>pygame</a:t>
-            </a:r>
-            <a:endParaRPr lang="ru-RU" sz="4000" dirty="0">
-              <a:ln w="0"/>
-              <a:effectLst>
-                <a:outerShdw blurRad="38100" dist="19050" dir="2700000" algn="tl" rotWithShape="0">
-                  <a:schemeClr val="dk1">
-                    <a:alpha val="40000"/>
-                  </a:schemeClr>
-                </a:outerShdw>
-              </a:effectLst>
-            </a:endParaRPr>
-          </a:p>
-          <a:p>
-            <a:pPr algn="ctr"/>
-            <a:endParaRPr lang="ru-RU" sz="5400" b="0" cap="none" spc="0" dirty="0">
-              <a:ln w="0"/>
-              <a:solidFill>
-                <a:schemeClr val="tx1"/>
-              </a:solidFill>
-              <a:effectLst>
-                <a:outerShdw blurRad="38100" dist="19050" dir="2700000" algn="tl" rotWithShape="0">
-                  <a:schemeClr val="dk1">
-                    <a:alpha val="40000"/>
-                  </a:schemeClr>
-                </a:outerShdw>
-              </a:effectLst>
-            </a:endParaRPr>
-          </a:p>
-        </p:txBody>
-      </p:sp>
-      <p:sp>
-        <p:nvSpPr>
-          <p:cNvPr id="4" name="Прямоугольник 3">
-            <a:extLst>
-              <a:ext uri="{FF2B5EF4-FFF2-40B4-BE49-F238E27FC236}">
-                <a16:creationId xmlns:a16="http://schemas.microsoft.com/office/drawing/2014/main" id="{8EC8C3FD-1959-4434-9475-700D9095231A}"/>
-              </a:ext>
-            </a:extLst>
-          </p:cNvPr>
-          <p:cNvSpPr/>
-          <p:nvPr/>
-        </p:nvSpPr>
-        <p:spPr>
-          <a:xfrm>
-            <a:off x="261461" y="4851162"/>
-            <a:ext cx="8655318" cy="2154436"/>
-          </a:xfrm>
-          <a:prstGeom prst="rect">
-            <a:avLst/>
-          </a:prstGeom>
-          <a:noFill/>
-        </p:spPr>
-        <p:txBody>
-          <a:bodyPr wrap="none" lIns="91440" tIns="45720" rIns="91440" bIns="45720">
-            <a:spAutoFit/>
-          </a:bodyPr>
-          <a:lstStyle/>
-          <a:p>
-            <a:pPr algn="ctr"/>
-            <a:r>
-              <a:rPr lang="ru-RU" sz="4000" dirty="0">
-                <a:ln w="0"/>
-                <a:effectLst>
-                  <a:outerShdw blurRad="38100" dist="19050" dir="2700000" algn="tl" rotWithShape="0">
-                    <a:schemeClr val="dk1">
-                      <a:alpha val="40000"/>
-                    </a:schemeClr>
-                  </a:outerShdw>
-                </a:effectLst>
-              </a:rPr>
-              <a:t>Прочие библиотеки</a:t>
-            </a:r>
-            <a:r>
-              <a:rPr lang="en-US" sz="4000" dirty="0">
-                <a:ln w="0"/>
-                <a:effectLst>
-                  <a:outerShdw blurRad="38100" dist="19050" dir="2700000" algn="tl" rotWithShape="0">
-                    <a:schemeClr val="dk1">
-                      <a:alpha val="40000"/>
-                    </a:schemeClr>
-                  </a:outerShdw>
-                </a:effectLst>
-              </a:rPr>
-              <a:t>: random, datetime,</a:t>
-            </a:r>
-          </a:p>
-          <a:p>
-            <a:pPr algn="ctr"/>
-            <a:r>
-              <a:rPr lang="en-US" sz="4000" dirty="0">
-                <a:ln w="0"/>
-                <a:effectLst>
-                  <a:outerShdw blurRad="38100" dist="19050" dir="2700000" algn="tl" rotWithShape="0">
-                    <a:schemeClr val="dk1">
-                      <a:alpha val="40000"/>
-                    </a:schemeClr>
-                  </a:outerShdw>
-                </a:effectLst>
-              </a:rPr>
-              <a:t>Sqlite3,os, sys, operator</a:t>
-            </a:r>
-            <a:endParaRPr lang="ru-RU" sz="4000" dirty="0">
-              <a:ln w="0"/>
-              <a:effectLst>
-                <a:outerShdw blurRad="38100" dist="19050" dir="2700000" algn="tl" rotWithShape="0">
-                  <a:schemeClr val="dk1">
-                    <a:alpha val="40000"/>
-                  </a:schemeClr>
-                </a:outerShdw>
-              </a:effectLst>
-            </a:endParaRPr>
-          </a:p>
-          <a:p>
-            <a:pPr algn="ctr"/>
-            <a:endParaRPr lang="ru-RU" sz="5400" b="0" cap="none" spc="0" dirty="0">
-              <a:ln w="0"/>
-              <a:solidFill>
-                <a:schemeClr val="tx1"/>
-              </a:solidFill>
-              <a:effectLst>
-                <a:outerShdw blurRad="38100" dist="19050" dir="2700000" algn="tl" rotWithShape="0">
-                  <a:schemeClr val="dk1">
-                    <a:alpha val="40000"/>
-                  </a:schemeClr>
-                </a:outerShdw>
-              </a:effectLst>
-            </a:endParaRPr>
+              <a:t>едение</a:t>
+            </a:r>
           </a:p>
         </p:txBody>
       </p:sp>
@@ -3814,35 +3685,6 @@
               </a:rPr>
               <a:t>Структура проекта</a:t>
             </a:r>
-            <a:r>
-              <a:rPr lang="en-US" sz="5400" b="0" cap="none" spc="0" dirty="0">
-                <a:ln w="0"/>
-                <a:solidFill>
-                  <a:schemeClr val="tx1"/>
-                </a:solidFill>
-                <a:effectLst>
-                  <a:outerShdw blurRad="38100" dist="19050" dir="2700000" algn="tl" rotWithShape="0">
-                    <a:schemeClr val="dk1">
-                      <a:alpha val="40000"/>
-                    </a:schemeClr>
-                  </a:outerShdw>
-                </a:effectLst>
-              </a:rPr>
-              <a:t>:</a:t>
-            </a:r>
-            <a:endParaRPr lang="ru-RU" sz="5400" b="0" cap="none" spc="0" dirty="0">
-              <a:ln w="0"/>
-              <a:solidFill>
-                <a:schemeClr val="tx1"/>
-              </a:solidFill>
-              <a:effectLst>
-                <a:outerShdw blurRad="38100" dist="19050" dir="2700000" algn="tl" rotWithShape="0">
-                  <a:schemeClr val="dk1">
-                    <a:alpha val="40000"/>
-                  </a:schemeClr>
-                </a:outerShdw>
-              </a:effectLst>
-            </a:endParaRPr>
           </a:p>
         </p:txBody>
       </p:sp>
@@ -3924,7 +3766,7 @@
         </p:nvSpPr>
         <p:spPr>
           <a:xfrm>
-            <a:off x="-52661" y="215913"/>
+            <a:off x="495979" y="208116"/>
             <a:ext cx="9501809" cy="1323439"/>
           </a:xfrm>
           <a:prstGeom prst="rect">
@@ -3940,7 +3782,15 @@
           <a:p>
             <a:r>
               <a:rPr lang="ru-RU" sz="4000" dirty="0"/>
-              <a:t>Вы можете выбрать внешний вид основного игрового спрайта:</a:t>
+              <a:t>На </a:t>
+            </a:r>
+            <a:r>
+              <a:rPr lang="ru-RU" sz="4000" dirty="0" err="1"/>
+              <a:t>выбопр</a:t>
+            </a:r>
+            <a:r>
+              <a:rPr lang="ru-RU" sz="4000" dirty="0"/>
+              <a:t> имеется несколько моделей космического корабля:</a:t>
             </a:r>
           </a:p>
         </p:txBody>
@@ -3974,7 +3824,7 @@
         </p:blipFill>
         <p:spPr bwMode="auto">
           <a:xfrm>
-            <a:off x="10364172" y="1744780"/>
+            <a:off x="10309308" y="3354124"/>
             <a:ext cx="1646169" cy="1259823"/>
           </a:xfrm>
           <a:prstGeom prst="rect">
@@ -4021,7 +3871,7 @@
         </p:blipFill>
         <p:spPr bwMode="auto">
           <a:xfrm>
-            <a:off x="8786126" y="1744780"/>
+            <a:off x="8731262" y="3354124"/>
             <a:ext cx="1539206" cy="1177964"/>
           </a:xfrm>
           <a:prstGeom prst="rect">
@@ -4068,7 +3918,7 @@
         </p:blipFill>
         <p:spPr bwMode="auto">
           <a:xfrm>
-            <a:off x="6669829" y="1567545"/>
+            <a:off x="6614965" y="3176889"/>
             <a:ext cx="1922881" cy="1456728"/>
           </a:xfrm>
           <a:prstGeom prst="rect">
@@ -4115,7 +3965,7 @@
         </p:blipFill>
         <p:spPr bwMode="auto">
           <a:xfrm>
-            <a:off x="4679777" y="1549464"/>
+            <a:off x="4624913" y="3158808"/>
             <a:ext cx="1812730" cy="1373280"/>
           </a:xfrm>
           <a:prstGeom prst="rect">
@@ -4162,7 +4012,7 @@
         </p:blipFill>
         <p:spPr bwMode="auto">
           <a:xfrm>
-            <a:off x="181659" y="1599305"/>
+            <a:off x="126795" y="3208649"/>
             <a:ext cx="1976336" cy="1323439"/>
           </a:xfrm>
           <a:prstGeom prst="rect">
@@ -4209,7 +4059,7 @@
         </p:blipFill>
         <p:spPr bwMode="auto">
           <a:xfrm>
-            <a:off x="2636271" y="1599305"/>
+            <a:off x="2581407" y="3208649"/>
             <a:ext cx="1976336" cy="1323439"/>
           </a:xfrm>
           <a:prstGeom prst="rect">
@@ -4296,58 +4146,6 @@
           </a:p>
         </p:txBody>
       </p:sp>
-      <p:sp>
-        <p:nvSpPr>
-          <p:cNvPr id="7" name="Прямоугольник 6">
-            <a:extLst>
-              <a:ext uri="{FF2B5EF4-FFF2-40B4-BE49-F238E27FC236}">
-                <a16:creationId xmlns:a16="http://schemas.microsoft.com/office/drawing/2014/main" id="{C9085FB2-C5BC-43A0-AF5C-6A2C58E594D9}"/>
-              </a:ext>
-            </a:extLst>
-          </p:cNvPr>
-          <p:cNvSpPr/>
-          <p:nvPr/>
-        </p:nvSpPr>
-        <p:spPr>
-          <a:xfrm>
-            <a:off x="-419029" y="3833728"/>
-            <a:ext cx="12010341" cy="2154436"/>
-          </a:xfrm>
-          <a:prstGeom prst="rect">
-            <a:avLst/>
-          </a:prstGeom>
-          <a:noFill/>
-        </p:spPr>
-        <p:txBody>
-          <a:bodyPr wrap="square" lIns="91440" tIns="45720" rIns="91440" bIns="45720">
-            <a:spAutoFit/>
-          </a:bodyPr>
-          <a:lstStyle/>
-          <a:p>
-            <a:pPr algn="ctr"/>
-            <a:r>
-              <a:rPr lang="ru-RU" sz="4000" dirty="0"/>
-              <a:t>На данный момент – это лишь визуальная часть, которая никак не влияет на игровой процесс.</a:t>
-            </a:r>
-          </a:p>
-          <a:p>
-            <a:pPr algn="ctr"/>
-            <a:endParaRPr lang="ru-RU" sz="5400" b="0" cap="none" spc="0" dirty="0">
-              <a:ln w="0"/>
-              <a:solidFill>
-                <a:schemeClr val="tx1"/>
-              </a:solidFill>
-              <a:effectLst>
-                <a:outerShdw blurRad="38100" dist="19050" dir="2700000" algn="tl" rotWithShape="0">
-                  <a:schemeClr val="dk1">
-                    <a:alpha val="40000"/>
-                  </a:schemeClr>
-                </a:outerShdw>
-              </a:effectLst>
-            </a:endParaRPr>
-          </a:p>
-        </p:txBody>
-      </p:sp>
     </p:spTree>
     <p:extLst>
       <p:ext uri="{BB962C8B-B14F-4D97-AF65-F5344CB8AC3E}">
@@ -4796,7 +4594,7 @@
         </p:blipFill>
         <p:spPr bwMode="auto">
           <a:xfrm>
-            <a:off x="6475415" y="4221349"/>
+            <a:off x="6389712" y="4322326"/>
             <a:ext cx="1071154" cy="1097280"/>
           </a:xfrm>
           <a:prstGeom prst="rect">
@@ -4843,7 +4641,7 @@
         </p:blipFill>
         <p:spPr bwMode="auto">
           <a:xfrm>
-            <a:off x="4548762" y="4181597"/>
+            <a:off x="4501740" y="4322326"/>
             <a:ext cx="1214846" cy="1097280"/>
           </a:xfrm>
           <a:prstGeom prst="rect">
@@ -4890,7 +4688,7 @@
         </p:blipFill>
         <p:spPr bwMode="auto">
           <a:xfrm>
-            <a:off x="2539876" y="4128513"/>
+            <a:off x="2539876" y="4287144"/>
             <a:ext cx="1358537" cy="1097280"/>
           </a:xfrm>
           <a:prstGeom prst="rect">
@@ -4937,7 +4735,7 @@
         </p:blipFill>
         <p:spPr bwMode="auto">
           <a:xfrm>
-            <a:off x="582038" y="4116934"/>
+            <a:off x="482595" y="4251962"/>
             <a:ext cx="1345474" cy="1097280"/>
           </a:xfrm>
           <a:prstGeom prst="rect">
@@ -5020,6 +4818,48 @@
           </a:bodyPr>
           <a:lstStyle/>
           <a:p>
+            <a:pPr lvl="0" defTabSz="914400" eaLnBrk="0" fontAlgn="base" hangingPunct="0">
+              <a:spcBef>
+                <a:spcPct val="0"/>
+              </a:spcBef>
+              <a:spcAft>
+                <a:spcPct val="0"/>
+              </a:spcAft>
+            </a:pPr>
+            <a:r>
+              <a:rPr kumimoji="0" lang="ru-RU" altLang="ru-RU" sz="3000" b="0" i="0" u="none" strike="noStrike" cap="none" normalizeH="0" baseline="0" dirty="0">
+                <a:ln>
+                  <a:noFill/>
+                </a:ln>
+                <a:solidFill>
+                  <a:schemeClr val="tx1"/>
+                </a:solidFill>
+                <a:effectLst/>
+                <a:latin typeface="Calibri" panose="020F0502020204030204" pitchFamily="34" charset="0"/>
+                <a:ea typeface="Calibri" panose="020F0502020204030204" pitchFamily="34" charset="0"/>
+                <a:cs typeface="Times New Roman" panose="02020603050405020304" pitchFamily="18" charset="0"/>
+              </a:rPr>
+              <a:t>При достижении 500 очков метеориты начинают заменяться на </a:t>
+            </a:r>
+            <a:r>
+              <a:rPr lang="ru-RU" altLang="ru-RU" sz="3000" dirty="0">
+                <a:latin typeface="Calibri" panose="020F0502020204030204" pitchFamily="34" charset="0"/>
+                <a:ea typeface="Calibri" panose="020F0502020204030204" pitchFamily="34" charset="0"/>
+                <a:cs typeface="Times New Roman" panose="02020603050405020304" pitchFamily="18" charset="0"/>
+              </a:rPr>
+              <a:t>«живых» противников:</a:t>
+            </a:r>
+            <a:endParaRPr kumimoji="0" lang="ru-RU" altLang="ru-RU" sz="3000" b="0" i="0" u="none" strike="noStrike" cap="none" normalizeH="0" baseline="0" dirty="0">
+              <a:ln>
+                <a:noFill/>
+              </a:ln>
+              <a:solidFill>
+                <a:schemeClr val="tx1"/>
+              </a:solidFill>
+              <a:effectLst/>
+            </a:endParaRPr>
+          </a:p>
+          <a:p>
             <a:pPr marL="0" marR="0" lvl="0" indent="0" algn="l" defTabSz="914400" rtl="0" eaLnBrk="0" fontAlgn="base" latinLnBrk="0" hangingPunct="0">
               <a:lnSpc>
                 <a:spcPct val="100000"/>
@@ -5036,200 +4876,7 @@
               <a:buNone/>
               <a:tabLst/>
             </a:pPr>
-            <a:r>
-              <a:rPr kumimoji="0" lang="ru-RU" altLang="ru-RU" sz="3000" b="0" i="0" u="none" strike="noStrike" cap="none" normalizeH="0" baseline="0" dirty="0">
-                <a:ln>
-                  <a:noFill/>
-                </a:ln>
-                <a:solidFill>
-                  <a:schemeClr val="tx1"/>
-                </a:solidFill>
-                <a:effectLst/>
-                <a:latin typeface="Calibri" panose="020F0502020204030204" pitchFamily="34" charset="0"/>
-                <a:ea typeface="Calibri" panose="020F0502020204030204" pitchFamily="34" charset="0"/>
-                <a:cs typeface="Times New Roman" panose="02020603050405020304" pitchFamily="18" charset="0"/>
-              </a:rPr>
-              <a:t>При достижении 500 очков метеориты начинают заменяться на это (картинки ниже):</a:t>
-            </a:r>
-            <a:endParaRPr kumimoji="0" lang="ru-RU" altLang="ru-RU" sz="3000" b="0" i="0" u="none" strike="noStrike" cap="none" normalizeH="0" baseline="0" dirty="0">
-              <a:ln>
-                <a:noFill/>
-              </a:ln>
-              <a:solidFill>
-                <a:schemeClr val="tx1"/>
-              </a:solidFill>
-              <a:effectLst/>
-            </a:endParaRPr>
-          </a:p>
-          <a:p>
-            <a:pPr marL="0" marR="0" lvl="0" indent="0" algn="l" defTabSz="914400" rtl="0" eaLnBrk="0" fontAlgn="base" latinLnBrk="0" hangingPunct="0">
-              <a:lnSpc>
-                <a:spcPct val="100000"/>
-              </a:lnSpc>
-              <a:spcBef>
-                <a:spcPct val="0"/>
-              </a:spcBef>
-              <a:spcAft>
-                <a:spcPct val="0"/>
-              </a:spcAft>
-              <a:buClrTx/>
-              <a:buSzTx/>
-              <a:buFontTx/>
-              <a:buNone/>
-              <a:tabLst/>
-            </a:pPr>
             <a:endParaRPr kumimoji="0" lang="ru-RU" altLang="ru-RU" sz="1800" b="0" i="0" u="none" strike="noStrike" cap="none" normalizeH="0" baseline="0" dirty="0">
-              <a:ln>
-                <a:noFill/>
-              </a:ln>
-              <a:solidFill>
-                <a:schemeClr val="tx1"/>
-              </a:solidFill>
-              <a:effectLst/>
-              <a:latin typeface="Arial" panose="020B0604020202020204" pitchFamily="34" charset="0"/>
-            </a:endParaRPr>
-          </a:p>
-        </p:txBody>
-      </p:sp>
-      <p:sp>
-        <p:nvSpPr>
-          <p:cNvPr id="6" name="Rectangle 6">
-            <a:extLst>
-              <a:ext uri="{FF2B5EF4-FFF2-40B4-BE49-F238E27FC236}">
-                <a16:creationId xmlns:a16="http://schemas.microsoft.com/office/drawing/2014/main" id="{C0BD9308-D429-453F-86E4-90B3B49A4F11}"/>
-              </a:ext>
-            </a:extLst>
-          </p:cNvPr>
-          <p:cNvSpPr>
-            <a:spLocks noChangeArrowheads="1"/>
-          </p:cNvSpPr>
-          <p:nvPr/>
-        </p:nvSpPr>
-        <p:spPr bwMode="auto">
-          <a:xfrm>
-            <a:off x="237349" y="5642872"/>
-            <a:ext cx="9837671" cy="723275"/>
-          </a:xfrm>
-          <a:prstGeom prst="rect">
-            <a:avLst/>
-          </a:prstGeom>
-          <a:noFill/>
-          <a:ln>
-            <a:noFill/>
-          </a:ln>
-          <a:effectLst/>
-          <a:extLst>
-            <a:ext uri="{909E8E84-426E-40DD-AFC4-6F175D3DCCD1}">
-              <a14:hiddenFill xmlns:a14="http://schemas.microsoft.com/office/drawing/2010/main">
-                <a:solidFill>
-                  <a:schemeClr val="accent1"/>
-                </a:solidFill>
-              </a14:hiddenFill>
-            </a:ext>
-            <a:ext uri="{91240B29-F687-4F45-9708-019B960494DF}">
-              <a14:hiddenLine xmlns:a14="http://schemas.microsoft.com/office/drawing/2010/main" w="9525">
-                <a:solidFill>
-                  <a:schemeClr val="tx1"/>
-                </a:solidFill>
-                <a:miter lim="800000"/>
-                <a:headEnd/>
-                <a:tailEnd/>
-              </a14:hiddenLine>
-            </a:ext>
-            <a:ext uri="{AF507438-7753-43E0-B8FC-AC1667EBCBE1}">
-              <a14:hiddenEffects xmlns:a14="http://schemas.microsoft.com/office/drawing/2010/main">
-                <a:effectLst>
-                  <a:outerShdw dist="35921" dir="2700000" algn="ctr" rotWithShape="0">
-                    <a:schemeClr val="bg2"/>
-                  </a:outerShdw>
-                </a:effectLst>
-              </a14:hiddenEffects>
-            </a:ext>
-          </a:extLst>
-        </p:spPr>
-        <p:txBody>
-          <a:bodyPr vert="horz" wrap="square" lIns="91440" tIns="45720" rIns="91440" bIns="45720" numCol="1" anchor="ctr" anchorCtr="0" compatLnSpc="1">
-            <a:prstTxWarp prst="textNoShape">
-              <a:avLst/>
-            </a:prstTxWarp>
-            <a:spAutoFit/>
-          </a:bodyPr>
-          <a:lstStyle/>
-          <a:p>
-            <a:pPr marL="0" marR="0" lvl="0" indent="0" algn="l" defTabSz="914400" rtl="0" eaLnBrk="0" fontAlgn="base" latinLnBrk="0" hangingPunct="0">
-              <a:lnSpc>
-                <a:spcPct val="100000"/>
-              </a:lnSpc>
-              <a:spcBef>
-                <a:spcPct val="0"/>
-              </a:spcBef>
-              <a:spcAft>
-                <a:spcPct val="0"/>
-              </a:spcAft>
-              <a:buClrTx/>
-              <a:buSzTx/>
-              <a:buFontTx/>
-              <a:buNone/>
-              <a:tabLst/>
-            </a:pPr>
-            <a:r>
-              <a:rPr kumimoji="0" lang="ru-RU" altLang="ru-RU" sz="1100" b="0" i="0" u="none" strike="noStrike" cap="none" normalizeH="0" baseline="0" dirty="0">
-                <a:ln>
-                  <a:noFill/>
-                </a:ln>
-                <a:solidFill>
-                  <a:schemeClr val="tx1"/>
-                </a:solidFill>
-                <a:effectLst/>
-                <a:latin typeface="Calibri" panose="020F0502020204030204" pitchFamily="34" charset="0"/>
-                <a:ea typeface="Calibri" panose="020F0502020204030204" pitchFamily="34" charset="0"/>
-                <a:cs typeface="Times New Roman" panose="02020603050405020304" pitchFamily="18" charset="0"/>
-              </a:rPr>
-              <a:t> </a:t>
-            </a:r>
-            <a:endParaRPr kumimoji="0" lang="ru-RU" altLang="ru-RU" sz="1100" b="0" i="0" u="none" strike="noStrike" cap="none" normalizeH="0" baseline="0" dirty="0">
-              <a:ln>
-                <a:noFill/>
-              </a:ln>
-              <a:solidFill>
-                <a:schemeClr val="tx1"/>
-              </a:solidFill>
-              <a:effectLst/>
-            </a:endParaRPr>
-          </a:p>
-          <a:p>
-            <a:pPr marL="0" marR="0" lvl="0" indent="0" algn="l" defTabSz="914400" rtl="0" eaLnBrk="0" fontAlgn="base" latinLnBrk="0" hangingPunct="0">
-              <a:lnSpc>
-                <a:spcPct val="100000"/>
-              </a:lnSpc>
-              <a:spcBef>
-                <a:spcPct val="0"/>
-              </a:spcBef>
-              <a:spcAft>
-                <a:spcPct val="0"/>
-              </a:spcAft>
-              <a:buClrTx/>
-              <a:buSzTx/>
-              <a:buFontTx/>
-              <a:buNone/>
-              <a:tabLst/>
-            </a:pPr>
-            <a:r>
-              <a:rPr kumimoji="0" lang="ru-RU" altLang="ru-RU" sz="3000" b="0" i="0" u="none" strike="noStrike" cap="none" normalizeH="0" baseline="0" dirty="0">
-                <a:ln>
-                  <a:noFill/>
-                </a:ln>
-                <a:solidFill>
-                  <a:schemeClr val="tx1"/>
-                </a:solidFill>
-                <a:effectLst/>
-                <a:latin typeface="Calibri" panose="020F0502020204030204" pitchFamily="34" charset="0"/>
-                <a:ea typeface="Calibri" panose="020F0502020204030204" pitchFamily="34" charset="0"/>
-                <a:cs typeface="Times New Roman" panose="02020603050405020304" pitchFamily="18" charset="0"/>
-              </a:rPr>
-              <a:t>Так выглядят «живые» противники. Они стреляют в ответ.</a:t>
-            </a:r>
-            <a:endParaRPr kumimoji="0" lang="ru-RU" altLang="ru-RU" sz="3000" b="0" i="0" u="none" strike="noStrike" cap="none" normalizeH="0" baseline="0" dirty="0">
               <a:ln>
                 <a:noFill/>
               </a:ln>
@@ -5274,10 +4921,10 @@
       </p:grpSpPr>
       <p:sp>
         <p:nvSpPr>
-          <p:cNvPr id="2" name="Прямоугольник 1">
+          <p:cNvPr id="4" name="Прямоугольник 3">
             <a:extLst>
               <a:ext uri="{FF2B5EF4-FFF2-40B4-BE49-F238E27FC236}">
-                <a16:creationId xmlns:a16="http://schemas.microsoft.com/office/drawing/2014/main" id="{7D2498CF-607A-4FB7-92D3-689D19B2ED30}"/>
+                <a16:creationId xmlns:a16="http://schemas.microsoft.com/office/drawing/2014/main" id="{5615BB4D-0CFE-4EB9-9C96-D8B758B27E3C}"/>
               </a:ext>
             </a:extLst>
           </p:cNvPr>
@@ -5286,8 +4933,8 @@
         </p:nvSpPr>
         <p:spPr>
           <a:xfrm>
-            <a:off x="168745" y="1051930"/>
-            <a:ext cx="12023255" cy="1015663"/>
+            <a:off x="1062771" y="1260206"/>
+            <a:ext cx="9107424" cy="5601533"/>
           </a:xfrm>
           <a:prstGeom prst="rect">
             <a:avLst/>
@@ -5300,40 +4947,117 @@
           </a:bodyPr>
           <a:lstStyle/>
           <a:p>
-            <a:r>
-              <a:rPr lang="ru-RU" sz="3000" dirty="0"/>
-              <a:t>Данная игра создана чтобы просто убить время. Также можно «соревноваться», кто больше наберет очков(если вам нечего делать)</a:t>
-            </a:r>
-          </a:p>
-        </p:txBody>
-      </p:sp>
-      <p:sp>
-        <p:nvSpPr>
-          <p:cNvPr id="3" name="Прямоугольник 2">
-            <a:extLst>
-              <a:ext uri="{FF2B5EF4-FFF2-40B4-BE49-F238E27FC236}">
-                <a16:creationId xmlns:a16="http://schemas.microsoft.com/office/drawing/2014/main" id="{3BFE6BB8-F519-414E-8B89-CE64098F07D1}"/>
-              </a:ext>
-            </a:extLst>
-          </p:cNvPr>
-          <p:cNvSpPr/>
-          <p:nvPr/>
-        </p:nvSpPr>
-        <p:spPr>
-          <a:xfrm>
-            <a:off x="614049" y="128600"/>
-            <a:ext cx="7852214" cy="923330"/>
-          </a:xfrm>
-          <a:prstGeom prst="rect">
-            <a:avLst/>
-          </a:prstGeom>
-          <a:noFill/>
-        </p:spPr>
-        <p:txBody>
-          <a:bodyPr wrap="none" lIns="91440" tIns="45720" rIns="91440" bIns="45720">
-            <a:spAutoFit/>
-          </a:bodyPr>
-          <a:lstStyle/>
+            <a:pPr algn="ctr"/>
+            <a:r>
+              <a:rPr lang="ru-RU" sz="3800" b="0" cap="none" spc="0" dirty="0">
+                <a:ln w="0"/>
+                <a:solidFill>
+                  <a:schemeClr val="tx1"/>
+                </a:solidFill>
+                <a:effectLst>
+                  <a:outerShdw blurRad="38100" dist="19050" dir="2700000" algn="tl" rotWithShape="0">
+                    <a:schemeClr val="dk1">
+                      <a:alpha val="40000"/>
+                    </a:schemeClr>
+                  </a:outerShdw>
+                </a:effectLst>
+              </a:rPr>
+              <a:t>Основная библиотека проекта – </a:t>
+            </a:r>
+            <a:r>
+              <a:rPr lang="en-US" sz="3800" b="0" cap="none" spc="0" dirty="0" err="1">
+                <a:ln w="0"/>
+                <a:solidFill>
+                  <a:schemeClr val="tx1"/>
+                </a:solidFill>
+                <a:effectLst>
+                  <a:outerShdw blurRad="38100" dist="19050" dir="2700000" algn="tl" rotWithShape="0">
+                    <a:schemeClr val="dk1">
+                      <a:alpha val="40000"/>
+                    </a:schemeClr>
+                  </a:outerShdw>
+                </a:effectLst>
+              </a:rPr>
+              <a:t>pygame</a:t>
+            </a:r>
+            <a:r>
+              <a:rPr lang="ru-RU" sz="3800" b="0" cap="none" spc="0" dirty="0">
+                <a:ln w="0"/>
+                <a:solidFill>
+                  <a:schemeClr val="tx1"/>
+                </a:solidFill>
+                <a:effectLst>
+                  <a:outerShdw blurRad="38100" dist="19050" dir="2700000" algn="tl" rotWithShape="0">
+                    <a:schemeClr val="dk1">
+                      <a:alpha val="40000"/>
+                    </a:schemeClr>
+                  </a:outerShdw>
+                </a:effectLst>
+              </a:rPr>
+              <a:t>, с её помощью реализован вывод текста на экран, взаимодействие спрайтов между собой, управление игровым спрайтом. Библиотека </a:t>
+            </a:r>
+            <a:r>
+              <a:rPr lang="en-US" sz="3800" b="0" cap="none" spc="0" dirty="0">
+                <a:ln w="0"/>
+                <a:solidFill>
+                  <a:schemeClr val="tx1"/>
+                </a:solidFill>
+                <a:effectLst>
+                  <a:outerShdw blurRad="38100" dist="19050" dir="2700000" algn="tl" rotWithShape="0">
+                    <a:schemeClr val="dk1">
+                      <a:alpha val="40000"/>
+                    </a:schemeClr>
+                  </a:outerShdw>
+                </a:effectLst>
+              </a:rPr>
+              <a:t>sqlite3 </a:t>
+            </a:r>
+            <a:r>
+              <a:rPr lang="ru-RU" sz="3800" b="0" cap="none" spc="0" dirty="0">
+                <a:ln w="0"/>
+                <a:solidFill>
+                  <a:schemeClr val="tx1"/>
+                </a:solidFill>
+                <a:effectLst>
+                  <a:outerShdw blurRad="38100" dist="19050" dir="2700000" algn="tl" rotWithShape="0">
+                    <a:schemeClr val="dk1">
+                      <a:alpha val="40000"/>
+                    </a:schemeClr>
+                  </a:outerShdw>
+                </a:effectLst>
+              </a:rPr>
+              <a:t>используется для записи результатов каждой игры. Также используются стандартные библиотеки </a:t>
+            </a:r>
+            <a:r>
+              <a:rPr lang="en-US" sz="3800" b="0" cap="none" spc="0" dirty="0">
+                <a:ln w="0"/>
+                <a:solidFill>
+                  <a:schemeClr val="tx1"/>
+                </a:solidFill>
+                <a:effectLst>
+                  <a:outerShdw blurRad="38100" dist="19050" dir="2700000" algn="tl" rotWithShape="0">
+                    <a:schemeClr val="dk1">
+                      <a:alpha val="40000"/>
+                    </a:schemeClr>
+                  </a:outerShdw>
+                </a:effectLst>
+              </a:rPr>
+              <a:t>python </a:t>
+            </a:r>
+            <a:endParaRPr lang="ru-RU" sz="3800" b="0" cap="none" spc="0" dirty="0">
+              <a:ln w="0"/>
+              <a:solidFill>
+                <a:schemeClr val="tx1"/>
+              </a:solidFill>
+              <a:effectLst>
+                <a:outerShdw blurRad="38100" dist="19050" dir="2700000" algn="tl" rotWithShape="0">
+                  <a:schemeClr val="dk1">
+                    <a:alpha val="40000"/>
+                  </a:schemeClr>
+                </a:outerShdw>
+              </a:effectLst>
+            </a:endParaRPr>
+          </a:p>
           <a:p>
             <a:pPr algn="ctr"/>
             <a:r>
@@ -5350,7 +5074,55 @@
                   </a:outerShdw>
                 </a:effectLst>
               </a:rPr>
-              <a:t>Зачем нужен этот проект</a:t>
+              <a:t> </a:t>
+            </a:r>
+          </a:p>
+        </p:txBody>
+      </p:sp>
+      <p:sp>
+        <p:nvSpPr>
+          <p:cNvPr id="5" name="Прямоугольник 4">
+            <a:extLst>
+              <a:ext uri="{FF2B5EF4-FFF2-40B4-BE49-F238E27FC236}">
+                <a16:creationId xmlns:a16="http://schemas.microsoft.com/office/drawing/2014/main" id="{D91756C8-7FE3-4859-A2E2-CD19006394FC}"/>
+              </a:ext>
+            </a:extLst>
+          </p:cNvPr>
+          <p:cNvSpPr/>
+          <p:nvPr/>
+        </p:nvSpPr>
+        <p:spPr>
+          <a:xfrm>
+            <a:off x="501960" y="333137"/>
+            <a:ext cx="10627269" cy="923330"/>
+          </a:xfrm>
+          <a:prstGeom prst="rect">
+            <a:avLst/>
+          </a:prstGeom>
+          <a:noFill/>
+        </p:spPr>
+        <p:txBody>
+          <a:bodyPr wrap="none" lIns="91440" tIns="45720" rIns="91440" bIns="45720">
+            <a:spAutoFit/>
+          </a:bodyPr>
+          <a:lstStyle/>
+          <a:p>
+            <a:pPr algn="ctr"/>
+            <a:r>
+              <a:rPr lang="ru-RU" sz="5400" b="0" cap="none" spc="0" dirty="0">
+                <a:ln w="0"/>
+                <a:solidFill>
+                  <a:schemeClr val="tx1"/>
+                </a:solidFill>
+                <a:effectLst>
+                  <a:outerShdw blurRad="38100" dist="19050" dir="2700000" algn="tl" rotWithShape="0">
+                    <a:schemeClr val="dk1">
+                      <a:alpha val="40000"/>
+                    </a:schemeClr>
+                  </a:outerShdw>
+                </a:effectLst>
+              </a:rPr>
+              <a:t>Какие технологии использовались</a:t>
             </a:r>
             <a:r>
               <a:rPr lang="en-US" sz="5400" b="0" cap="none" spc="0" dirty="0">
@@ -5369,6 +5141,380 @@
               <a:t>?</a:t>
             </a:r>
             <a:endParaRPr lang="ru-RU" sz="5400" b="0" cap="none" spc="0" dirty="0">
+              <a:ln w="0"/>
+              <a:solidFill>
+                <a:schemeClr val="tx1"/>
+              </a:solidFill>
+              <a:effectLst>
+                <a:outerShdw blurRad="38100" dist="19050" dir="2700000" algn="tl" rotWithShape="0">
+                  <a:schemeClr val="dk1">
+                    <a:alpha val="40000"/>
+                  </a:schemeClr>
+                </a:outerShdw>
+              </a:effectLst>
+            </a:endParaRPr>
+          </a:p>
+        </p:txBody>
+      </p:sp>
+    </p:spTree>
+    <p:extLst>
+      <p:ext uri="{BB962C8B-B14F-4D97-AF65-F5344CB8AC3E}">
+        <p14:creationId xmlns:p14="http://schemas.microsoft.com/office/powerpoint/2010/main" val="1373740390"/>
+      </p:ext>
+    </p:extLst>
+  </p:cSld>
+  <p:clrMapOvr>
+    <a:masterClrMapping/>
+  </p:clrMapOvr>
+</p:sld>
+</file>
+
+<file path=ppt/slides/slide8.xml><?xml version="1.0" encoding="utf-8"?>
+<p:sld xmlns:a="http://schemas.openxmlformats.org/drawingml/2006/main" xmlns:r="http://schemas.openxmlformats.org/officeDocument/2006/relationships" xmlns:p="http://schemas.openxmlformats.org/presentationml/2006/main">
+  <p:cSld>
+    <p:spTree>
+      <p:nvGrpSpPr>
+        <p:cNvPr id="1" name=""/>
+        <p:cNvGrpSpPr/>
+        <p:nvPr/>
+      </p:nvGrpSpPr>
+      <p:grpSpPr>
+        <a:xfrm>
+          <a:off x="0" y="0"/>
+          <a:ext cx="0" cy="0"/>
+          <a:chOff x="0" y="0"/>
+          <a:chExt cx="0" cy="0"/>
+        </a:xfrm>
+      </p:grpSpPr>
+      <p:sp>
+        <p:nvSpPr>
+          <p:cNvPr id="2" name="Прямоугольник 1">
+            <a:extLst>
+              <a:ext uri="{FF2B5EF4-FFF2-40B4-BE49-F238E27FC236}">
+                <a16:creationId xmlns:a16="http://schemas.microsoft.com/office/drawing/2014/main" id="{A2F273EB-101F-4C38-B5A6-320D22893C8B}"/>
+              </a:ext>
+            </a:extLst>
+          </p:cNvPr>
+          <p:cNvSpPr/>
+          <p:nvPr/>
+        </p:nvSpPr>
+        <p:spPr>
+          <a:xfrm>
+            <a:off x="2630158" y="178415"/>
+            <a:ext cx="6931706" cy="923330"/>
+          </a:xfrm>
+          <a:prstGeom prst="rect">
+            <a:avLst/>
+          </a:prstGeom>
+          <a:noFill/>
+        </p:spPr>
+        <p:txBody>
+          <a:bodyPr wrap="none" lIns="91440" tIns="45720" rIns="91440" bIns="45720">
+            <a:spAutoFit/>
+          </a:bodyPr>
+          <a:lstStyle/>
+          <a:p>
+            <a:pPr algn="ctr"/>
+            <a:r>
+              <a:rPr lang="ru-RU" sz="5400" b="0" cap="none" spc="0" dirty="0">
+                <a:ln w="0"/>
+                <a:solidFill>
+                  <a:schemeClr val="tx1"/>
+                </a:solidFill>
+                <a:effectLst>
+                  <a:outerShdw blurRad="38100" dist="19050" dir="2700000" algn="tl" rotWithShape="0">
+                    <a:schemeClr val="dk1">
+                      <a:alpha val="40000"/>
+                    </a:schemeClr>
+                  </a:outerShdw>
+                </a:effectLst>
+              </a:rPr>
+              <a:t>Перспективы развития</a:t>
+            </a:r>
+          </a:p>
+        </p:txBody>
+      </p:sp>
+      <p:sp>
+        <p:nvSpPr>
+          <p:cNvPr id="3" name="Прямоугольник 2">
+            <a:extLst>
+              <a:ext uri="{FF2B5EF4-FFF2-40B4-BE49-F238E27FC236}">
+                <a16:creationId xmlns:a16="http://schemas.microsoft.com/office/drawing/2014/main" id="{7ABB6303-DEB7-4092-AB92-8BFA08ABD01E}"/>
+              </a:ext>
+            </a:extLst>
+          </p:cNvPr>
+          <p:cNvSpPr/>
+          <p:nvPr/>
+        </p:nvSpPr>
+        <p:spPr>
+          <a:xfrm>
+            <a:off x="431291" y="1486007"/>
+            <a:ext cx="11245597" cy="4524315"/>
+          </a:xfrm>
+          <a:prstGeom prst="rect">
+            <a:avLst/>
+          </a:prstGeom>
+          <a:noFill/>
+        </p:spPr>
+        <p:txBody>
+          <a:bodyPr wrap="square" lIns="91440" tIns="45720" rIns="91440" bIns="45720">
+            <a:spAutoFit/>
+          </a:bodyPr>
+          <a:lstStyle/>
+          <a:p>
+            <a:pPr marL="514350" indent="-514350">
+              <a:buAutoNum type="arabicPeriod"/>
+            </a:pPr>
+            <a:r>
+              <a:rPr lang="ru-RU" sz="3200" dirty="0">
+                <a:ln w="0"/>
+                <a:effectLst>
+                  <a:outerShdw blurRad="38100" dist="19050" dir="2700000" algn="tl" rotWithShape="0">
+                    <a:schemeClr val="dk1">
+                      <a:alpha val="40000"/>
+                    </a:schemeClr>
+                  </a:outerShdw>
+                </a:effectLst>
+              </a:rPr>
+              <a:t>Добавление настройки сложности игрового процесса (изменение скорости игры, количества врагов, частоты выпадения бонусов);</a:t>
+            </a:r>
+          </a:p>
+          <a:p>
+            <a:pPr marL="514350" indent="-514350">
+              <a:buAutoNum type="arabicPeriod"/>
+            </a:pPr>
+            <a:r>
+              <a:rPr lang="ru-RU" sz="3200" b="0" cap="none" spc="0" dirty="0">
+                <a:ln w="0"/>
+                <a:solidFill>
+                  <a:schemeClr val="tx1"/>
+                </a:solidFill>
+                <a:effectLst>
+                  <a:outerShdw blurRad="38100" dist="19050" dir="2700000" algn="tl" rotWithShape="0">
+                    <a:schemeClr val="dk1">
+                      <a:alpha val="40000"/>
+                    </a:schemeClr>
+                  </a:outerShdw>
+                </a:effectLst>
+              </a:rPr>
+              <a:t>Добавление «индивидуальности» для врагов (например, одному из «живых» противников добавить снаряды, которые будут отскакивать от стен экрана)</a:t>
+            </a:r>
+          </a:p>
+          <a:p>
+            <a:pPr marL="514350" indent="-514350">
+              <a:buAutoNum type="arabicPeriod"/>
+            </a:pPr>
+            <a:r>
+              <a:rPr lang="ru-RU" sz="3200" dirty="0">
+                <a:ln w="0"/>
+                <a:effectLst>
+                  <a:outerShdw blurRad="38100" dist="19050" dir="2700000" algn="tl" rotWithShape="0">
+                    <a:schemeClr val="dk1">
+                      <a:alpha val="40000"/>
+                    </a:schemeClr>
+                  </a:outerShdw>
+                </a:effectLst>
+              </a:rPr>
+              <a:t>Каждому из видов игрового спрайта добавить особые способности (дополнительные жизни, особые патроны и т.д.)</a:t>
+            </a:r>
+            <a:endParaRPr lang="ru-RU" sz="3200" b="0" cap="none" spc="0" dirty="0">
+              <a:ln w="0"/>
+              <a:solidFill>
+                <a:schemeClr val="tx1"/>
+              </a:solidFill>
+              <a:effectLst>
+                <a:outerShdw blurRad="38100" dist="19050" dir="2700000" algn="tl" rotWithShape="0">
+                  <a:schemeClr val="dk1">
+                    <a:alpha val="40000"/>
+                  </a:schemeClr>
+                </a:outerShdw>
+              </a:effectLst>
+            </a:endParaRPr>
+          </a:p>
+        </p:txBody>
+      </p:sp>
+    </p:spTree>
+    <p:extLst>
+      <p:ext uri="{BB962C8B-B14F-4D97-AF65-F5344CB8AC3E}">
+        <p14:creationId xmlns:p14="http://schemas.microsoft.com/office/powerpoint/2010/main" val="1920619116"/>
+      </p:ext>
+    </p:extLst>
+  </p:cSld>
+  <p:clrMapOvr>
+    <a:masterClrMapping/>
+  </p:clrMapOvr>
+</p:sld>
+</file>
+
+<file path=ppt/slides/slide9.xml><?xml version="1.0" encoding="utf-8"?>
+<p:sld xmlns:a="http://schemas.openxmlformats.org/drawingml/2006/main" xmlns:r="http://schemas.openxmlformats.org/officeDocument/2006/relationships" xmlns:p="http://schemas.openxmlformats.org/presentationml/2006/main">
+  <p:cSld>
+    <p:spTree>
+      <p:nvGrpSpPr>
+        <p:cNvPr id="1" name=""/>
+        <p:cNvGrpSpPr/>
+        <p:nvPr/>
+      </p:nvGrpSpPr>
+      <p:grpSpPr>
+        <a:xfrm>
+          <a:off x="0" y="0"/>
+          <a:ext cx="0" cy="0"/>
+          <a:chOff x="0" y="0"/>
+          <a:chExt cx="0" cy="0"/>
+        </a:xfrm>
+      </p:grpSpPr>
+      <p:sp>
+        <p:nvSpPr>
+          <p:cNvPr id="3" name="Прямоугольник 2">
+            <a:extLst>
+              <a:ext uri="{FF2B5EF4-FFF2-40B4-BE49-F238E27FC236}">
+                <a16:creationId xmlns:a16="http://schemas.microsoft.com/office/drawing/2014/main" id="{3BFE6BB8-F519-414E-8B89-CE64098F07D1}"/>
+              </a:ext>
+            </a:extLst>
+          </p:cNvPr>
+          <p:cNvSpPr/>
+          <p:nvPr/>
+        </p:nvSpPr>
+        <p:spPr>
+          <a:xfrm>
+            <a:off x="614048" y="128600"/>
+            <a:ext cx="11053695" cy="923330"/>
+          </a:xfrm>
+          <a:prstGeom prst="rect">
+            <a:avLst/>
+          </a:prstGeom>
+          <a:noFill/>
+        </p:spPr>
+        <p:txBody>
+          <a:bodyPr wrap="square" lIns="91440" tIns="45720" rIns="91440" bIns="45720">
+            <a:spAutoFit/>
+          </a:bodyPr>
+          <a:lstStyle/>
+          <a:p>
+            <a:pPr algn="ctr"/>
+            <a:r>
+              <a:rPr lang="ru-RU" sz="5400" dirty="0">
+                <a:ln w="0"/>
+                <a:effectLst>
+                  <a:outerShdw blurRad="38100" dist="19050" dir="2700000" algn="tl" rotWithShape="0">
+                    <a:schemeClr val="dk1">
+                      <a:alpha val="40000"/>
+                    </a:schemeClr>
+                  </a:outerShdw>
+                </a:effectLst>
+              </a:rPr>
+              <a:t>Заключение</a:t>
+            </a:r>
+            <a:endParaRPr lang="ru-RU" sz="5400" b="0" cap="none" spc="0" dirty="0">
+              <a:ln w="0"/>
+              <a:solidFill>
+                <a:schemeClr val="tx1"/>
+              </a:solidFill>
+              <a:effectLst>
+                <a:outerShdw blurRad="38100" dist="19050" dir="2700000" algn="tl" rotWithShape="0">
+                  <a:schemeClr val="dk1">
+                    <a:alpha val="40000"/>
+                  </a:schemeClr>
+                </a:outerShdw>
+              </a:effectLst>
+            </a:endParaRPr>
+          </a:p>
+        </p:txBody>
+      </p:sp>
+      <p:sp>
+        <p:nvSpPr>
+          <p:cNvPr id="4" name="Прямоугольник 3">
+            <a:extLst>
+              <a:ext uri="{FF2B5EF4-FFF2-40B4-BE49-F238E27FC236}">
+                <a16:creationId xmlns:a16="http://schemas.microsoft.com/office/drawing/2014/main" id="{075CD668-205A-43C2-9B72-1AB7135DC3C2}"/>
+              </a:ext>
+            </a:extLst>
+          </p:cNvPr>
+          <p:cNvSpPr/>
+          <p:nvPr/>
+        </p:nvSpPr>
+        <p:spPr>
+          <a:xfrm>
+            <a:off x="1067254" y="1051930"/>
+            <a:ext cx="10057491" cy="3600986"/>
+          </a:xfrm>
+          <a:prstGeom prst="rect">
+            <a:avLst/>
+          </a:prstGeom>
+          <a:noFill/>
+        </p:spPr>
+        <p:txBody>
+          <a:bodyPr wrap="square" lIns="91440" tIns="45720" rIns="91440" bIns="45720">
+            <a:spAutoFit/>
+          </a:bodyPr>
+          <a:lstStyle/>
+          <a:p>
+            <a:pPr algn="ctr"/>
+            <a:r>
+              <a:rPr lang="ru-RU" sz="3800" b="0" cap="none" spc="0" dirty="0">
+                <a:ln w="0"/>
+                <a:solidFill>
+                  <a:schemeClr val="tx1"/>
+                </a:solidFill>
+                <a:effectLst>
+                  <a:outerShdw blurRad="38100" dist="19050" dir="2700000" algn="tl" rotWithShape="0">
+                    <a:schemeClr val="dk1">
+                      <a:alpha val="40000"/>
+                    </a:schemeClr>
+                  </a:outerShdw>
+                </a:effectLst>
+              </a:rPr>
+              <a:t>В процессе работы мы научились работать с библиотекой </a:t>
+            </a:r>
+            <a:r>
+              <a:rPr lang="en-US" sz="3800" b="0" cap="none" spc="0" dirty="0" err="1">
+                <a:ln w="0"/>
+                <a:solidFill>
+                  <a:schemeClr val="tx1"/>
+                </a:solidFill>
+                <a:effectLst>
+                  <a:outerShdw blurRad="38100" dist="19050" dir="2700000" algn="tl" rotWithShape="0">
+                    <a:schemeClr val="dk1">
+                      <a:alpha val="40000"/>
+                    </a:schemeClr>
+                  </a:outerShdw>
+                </a:effectLst>
+              </a:rPr>
+              <a:t>pygame</a:t>
+            </a:r>
+            <a:r>
+              <a:rPr lang="ru-RU" sz="3800" b="0" cap="none" spc="0" dirty="0">
+                <a:ln w="0"/>
+                <a:solidFill>
+                  <a:schemeClr val="tx1"/>
+                </a:solidFill>
+                <a:effectLst>
+                  <a:outerShdw blurRad="38100" dist="19050" dir="2700000" algn="tl" rotWithShape="0">
+                    <a:schemeClr val="dk1">
+                      <a:alpha val="40000"/>
+                    </a:schemeClr>
+                  </a:outerShdw>
+                </a:effectLst>
+              </a:rPr>
+              <a:t> (создание спрайтов и групп спрайтов, движение спрайтов, взаимодействие спрайтов между собой, вывод текста на экран). Также мы научились работать со звуком и углубились в работе с </a:t>
+            </a:r>
+            <a:r>
+              <a:rPr lang="en-US" sz="3800" b="0" cap="none" spc="0" dirty="0" err="1">
+                <a:ln w="0"/>
+                <a:solidFill>
+                  <a:schemeClr val="tx1"/>
+                </a:solidFill>
+                <a:effectLst>
+                  <a:outerShdw blurRad="38100" dist="19050" dir="2700000" algn="tl" rotWithShape="0">
+                    <a:schemeClr val="dk1">
+                      <a:alpha val="40000"/>
+                    </a:schemeClr>
+                  </a:outerShdw>
+                </a:effectLst>
+              </a:rPr>
+              <a:t>github</a:t>
+            </a:r>
+            <a:endParaRPr lang="ru-RU" sz="3800" b="0" cap="none" spc="0" dirty="0">
               <a:ln w="0"/>
               <a:solidFill>
                 <a:schemeClr val="tx1"/>
